--- a/2025_slides/AI_for_recruitment_companies_En_v3.pptx
+++ b/2025_slides/AI_for_recruitment_companies_En_v3.pptx
@@ -1455,7 +1455,7 @@
           <a:p>
             <a:fld id="{0DDD35C3-FDA7-4782-83C8-6E99F1C6D481}" type="datetimeFigureOut">
               <a:rPr kumimoji="1" lang="ja-JP" altLang="en-US" smtClean="0"/>
-              <a:t>2025/11/12</a:t>
+              <a:t>2025/11/13</a:t>
             </a:fld>
             <a:endParaRPr kumimoji="1" lang="ja-JP" altLang="en-US"/>
           </a:p>
@@ -2468,7 +2468,7 @@
           <a:p>
             <a:fld id="{0C951353-040E-4873-A6AB-5A3125AC1941}" type="datetimeFigureOut">
               <a:rPr kumimoji="1" lang="ja-JP" altLang="en-US" smtClean="0"/>
-              <a:t>2025/11/12</a:t>
+              <a:t>2025/11/13</a:t>
             </a:fld>
             <a:endParaRPr kumimoji="1" lang="ja-JP" altLang="en-US"/>
           </a:p>
@@ -2806,7 +2806,7 @@
           <a:p>
             <a:fld id="{0C951353-040E-4873-A6AB-5A3125AC1941}" type="datetimeFigureOut">
               <a:rPr kumimoji="1" lang="ja-JP" altLang="en-US" smtClean="0"/>
-              <a:t>2025/11/12</a:t>
+              <a:t>2025/11/13</a:t>
             </a:fld>
             <a:endParaRPr kumimoji="1" lang="ja-JP" altLang="en-US"/>
           </a:p>
@@ -3207,7 +3207,7 @@
           <a:p>
             <a:fld id="{0C951353-040E-4873-A6AB-5A3125AC1941}" type="datetimeFigureOut">
               <a:rPr kumimoji="1" lang="ja-JP" altLang="en-US" smtClean="0"/>
-              <a:t>2025/11/12</a:t>
+              <a:t>2025/11/13</a:t>
             </a:fld>
             <a:endParaRPr kumimoji="1" lang="ja-JP" altLang="en-US"/>
           </a:p>
@@ -3543,7 +3543,7 @@
           <a:p>
             <a:fld id="{0C951353-040E-4873-A6AB-5A3125AC1941}" type="datetimeFigureOut">
               <a:rPr kumimoji="1" lang="ja-JP" altLang="en-US" smtClean="0"/>
-              <a:t>2025/11/12</a:t>
+              <a:t>2025/11/13</a:t>
             </a:fld>
             <a:endParaRPr kumimoji="1" lang="ja-JP" altLang="en-US"/>
           </a:p>
@@ -3863,7 +3863,7 @@
           <a:p>
             <a:fld id="{0C951353-040E-4873-A6AB-5A3125AC1941}" type="datetimeFigureOut">
               <a:rPr kumimoji="1" lang="ja-JP" altLang="en-US" smtClean="0"/>
-              <a:t>2025/11/12</a:t>
+              <a:t>2025/11/13</a:t>
             </a:fld>
             <a:endParaRPr kumimoji="1" lang="ja-JP" altLang="en-US"/>
           </a:p>
@@ -4259,7 +4259,7 @@
           <a:p>
             <a:fld id="{0C951353-040E-4873-A6AB-5A3125AC1941}" type="datetimeFigureOut">
               <a:rPr kumimoji="1" lang="ja-JP" altLang="en-US" smtClean="0"/>
-              <a:t>2025/11/12</a:t>
+              <a:t>2025/11/13</a:t>
             </a:fld>
             <a:endParaRPr kumimoji="1" lang="ja-JP" altLang="en-US"/>
           </a:p>
@@ -4548,7 +4548,7 @@
           <a:p>
             <a:fld id="{0C951353-040E-4873-A6AB-5A3125AC1941}" type="datetimeFigureOut">
               <a:rPr kumimoji="1" lang="ja-JP" altLang="en-US" smtClean="0"/>
-              <a:t>2025/11/12</a:t>
+              <a:t>2025/11/13</a:t>
             </a:fld>
             <a:endParaRPr kumimoji="1" lang="ja-JP" altLang="en-US"/>
           </a:p>
@@ -4842,7 +4842,7 @@
           <a:p>
             <a:fld id="{0C951353-040E-4873-A6AB-5A3125AC1941}" type="datetimeFigureOut">
               <a:rPr kumimoji="1" lang="ja-JP" altLang="en-US" smtClean="0"/>
-              <a:t>2025/11/12</a:t>
+              <a:t>2025/11/13</a:t>
             </a:fld>
             <a:endParaRPr kumimoji="1" lang="ja-JP" altLang="en-US"/>
           </a:p>
@@ -5136,7 +5136,7 @@
           <a:p>
             <a:fld id="{0C951353-040E-4873-A6AB-5A3125AC1941}" type="datetimeFigureOut">
               <a:rPr kumimoji="1" lang="ja-JP" altLang="en-US" smtClean="0"/>
-              <a:t>2025/11/12</a:t>
+              <a:t>2025/11/13</a:t>
             </a:fld>
             <a:endParaRPr kumimoji="1" lang="ja-JP" altLang="en-US"/>
           </a:p>
@@ -5465,7 +5465,7 @@
           <a:p>
             <a:fld id="{0C951353-040E-4873-A6AB-5A3125AC1941}" type="datetimeFigureOut">
               <a:rPr kumimoji="1" lang="ja-JP" altLang="en-US" smtClean="0"/>
-              <a:t>2025/11/12</a:t>
+              <a:t>2025/11/13</a:t>
             </a:fld>
             <a:endParaRPr kumimoji="1" lang="ja-JP" altLang="en-US"/>
           </a:p>
@@ -5852,7 +5852,7 @@
           <a:p>
             <a:fld id="{0C951353-040E-4873-A6AB-5A3125AC1941}" type="datetimeFigureOut">
               <a:rPr kumimoji="1" lang="ja-JP" altLang="en-US" smtClean="0"/>
-              <a:t>2025/11/12</a:t>
+              <a:t>2025/11/13</a:t>
             </a:fld>
             <a:endParaRPr kumimoji="1" lang="ja-JP" altLang="en-US"/>
           </a:p>
@@ -6373,7 +6373,7 @@
           <a:p>
             <a:fld id="{0C951353-040E-4873-A6AB-5A3125AC1941}" type="datetimeFigureOut">
               <a:rPr kumimoji="1" lang="ja-JP" altLang="en-US" smtClean="0"/>
-              <a:t>2025/11/12</a:t>
+              <a:t>2025/11/13</a:t>
             </a:fld>
             <a:endParaRPr kumimoji="1" lang="ja-JP" altLang="en-US"/>
           </a:p>
@@ -6578,7 +6578,7 @@
           <a:p>
             <a:fld id="{0C951353-040E-4873-A6AB-5A3125AC1941}" type="datetimeFigureOut">
               <a:rPr kumimoji="1" lang="ja-JP" altLang="en-US" smtClean="0"/>
-              <a:t>2025/11/12</a:t>
+              <a:t>2025/11/13</a:t>
             </a:fld>
             <a:endParaRPr kumimoji="1" lang="ja-JP" altLang="en-US"/>
           </a:p>
@@ -6755,7 +6755,7 @@
           <a:p>
             <a:fld id="{0C951353-040E-4873-A6AB-5A3125AC1941}" type="datetimeFigureOut">
               <a:rPr kumimoji="1" lang="ja-JP" altLang="en-US" smtClean="0"/>
-              <a:t>2025/11/12</a:t>
+              <a:t>2025/11/13</a:t>
             </a:fld>
             <a:endParaRPr kumimoji="1" lang="ja-JP" altLang="en-US"/>
           </a:p>
@@ -7120,7 +7120,7 @@
           <a:p>
             <a:fld id="{0C951353-040E-4873-A6AB-5A3125AC1941}" type="datetimeFigureOut">
               <a:rPr kumimoji="1" lang="ja-JP" altLang="en-US" smtClean="0"/>
-              <a:t>2025/11/12</a:t>
+              <a:t>2025/11/13</a:t>
             </a:fld>
             <a:endParaRPr kumimoji="1" lang="ja-JP" altLang="en-US"/>
           </a:p>
@@ -7465,7 +7465,7 @@
           <a:p>
             <a:fld id="{0C951353-040E-4873-A6AB-5A3125AC1941}" type="datetimeFigureOut">
               <a:rPr kumimoji="1" lang="ja-JP" altLang="en-US" smtClean="0"/>
-              <a:t>2025/11/12</a:t>
+              <a:t>2025/11/13</a:t>
             </a:fld>
             <a:endParaRPr kumimoji="1" lang="ja-JP" altLang="en-US"/>
           </a:p>
@@ -9598,7 +9598,7 @@
           <a:p>
             <a:fld id="{0C951353-040E-4873-A6AB-5A3125AC1941}" type="datetimeFigureOut">
               <a:rPr kumimoji="1" lang="ja-JP" altLang="en-US" smtClean="0"/>
-              <a:t>2025/11/12</a:t>
+              <a:t>2025/11/13</a:t>
             </a:fld>
             <a:endParaRPr kumimoji="1" lang="ja-JP" altLang="en-US"/>
           </a:p>
@@ -10200,22 +10200,22 @@
         </p:nvSpPr>
         <p:spPr>
           <a:xfrm>
-            <a:off x="5526742" y="3823587"/>
+            <a:off x="5372101" y="3823587"/>
             <a:ext cx="1701052" cy="432407"/>
           </a:xfrm>
         </p:spPr>
         <p:txBody>
           <a:bodyPr>
-            <a:normAutofit/>
+            <a:normAutofit fontScale="70000" lnSpcReduction="20000"/>
           </a:bodyPr>
           <a:lstStyle/>
           <a:p>
             <a:r>
-              <a:rPr kumimoji="1" lang="en-US" altLang="ja-JP" sz="2000" dirty="0">
+              <a:rPr kumimoji="1" lang="en-US" altLang="ja-JP" sz="2000" dirty="0" err="1">
                 <a:latin typeface="+mn-ea"/>
                 <a:hlinkClick r:id="rId2"/>
               </a:rPr>
-              <a:t> Jun Liang</a:t>
+              <a:t>Moonlightsbreath</a:t>
             </a:r>
             <a:endParaRPr lang="en-US" altLang="ja-JP" sz="2000" dirty="0">
               <a:latin typeface="+mn-ea"/>
@@ -10237,7 +10237,7 @@
         </p:nvSpPr>
         <p:spPr>
           <a:xfrm>
-            <a:off x="5466230" y="4397420"/>
+            <a:off x="5449421" y="4255994"/>
             <a:ext cx="1546411" cy="369332"/>
           </a:xfrm>
           <a:prstGeom prst="rect">
@@ -10260,7 +10260,7 @@
                 </a:solidFill>
                 <a:latin typeface="+mn-ea"/>
               </a:rPr>
-              <a:t> 2025/10/09</a:t>
+              <a:t>2025/10/09</a:t>
             </a:r>
             <a:endParaRPr kumimoji="1" lang="en-US" altLang="ja-JP" sz="1800" dirty="0">
               <a:solidFill>
